--- a/introduction-to-r/results/v02-slides-and-speaker-notes.pptx
+++ b/introduction-to-r/results/v02-slides-and-speaker-notes.pptx
@@ -41204,7 +41204,7 @@
               <a:rPr>
                 <a:latin typeface="Courier"/>
               </a:rPr>
-              <a:t>## [1] "2022-02-20"</a:t>
+              <a:t>## [1] "2022-03-07"</a:t>
             </a:r>
           </a:p>
         </p:txBody>
@@ -41540,7 +41540,7 @@
             </a:pPr>
             <a:r>
               <a:rPr/>
-              <a:t>(From the original website) “Fast food is often considered unhealthy because muchof it is high in both fat and sodium. But are the two related? The data give the fat and sodium contents of several brands of burgers.”</a:t>
+              <a:t>(From the original website) “Fast food is often considered unhealthy because much of it is high in both fat and sodium. But are the two related? The data give the fat and sodium contents of several brands of burgers.”</a:t>
             </a:r>
           </a:p>
         </p:txBody>
